--- a/lectures/weekly_slides/M1.2_Add_Sub/M1.2_Add_Sub.pptx
+++ b/lectures/weekly_slides/M1.2_Add_Sub/M1.2_Add_Sub.pptx
@@ -5,10 +5,10 @@
     <p:sldMasterId id="2147483648" r:id="rId1"/>
   </p:sldMasterIdLst>
   <p:notesMasterIdLst>
-    <p:notesMasterId r:id="rId27"/>
+    <p:notesMasterId r:id="rId26"/>
   </p:notesMasterIdLst>
   <p:handoutMasterIdLst>
-    <p:handoutMasterId r:id="rId28"/>
+    <p:handoutMasterId r:id="rId27"/>
   </p:handoutMasterIdLst>
   <p:sldIdLst>
     <p:sldId id="280" r:id="rId2"/>
@@ -34,8 +34,7 @@
     <p:sldId id="360" r:id="rId22"/>
     <p:sldId id="359" r:id="rId23"/>
     <p:sldId id="364" r:id="rId24"/>
-    <p:sldId id="365" r:id="rId25"/>
-    <p:sldId id="363" r:id="rId26"/>
+    <p:sldId id="363" r:id="rId25"/>
   </p:sldIdLst>
   <p:sldSz cx="9144000" cy="6858000" type="screen4x3"/>
   <p:notesSz cx="6858000" cy="9144000"/>
@@ -268,7 +267,7 @@
           <a:p>
             <a:fld id="{0B9AF00C-6D75-48A8-A194-B96D46F0E30B}" type="datetimeFigureOut">
               <a:rPr lang="en-US" smtClean="0"/>
-              <a:t>10/27/2021</a:t>
+              <a:t>11/1/2021</a:t>
             </a:fld>
             <a:endParaRPr lang="en-US"/>
           </a:p>
@@ -460,7 +459,7 @@
               <a:pPr>
                 <a:defRPr/>
               </a:pPr>
-              <a:t>10/27/2021</a:t>
+              <a:t>11/1/2021</a:t>
             </a:fld>
             <a:endParaRPr lang="en-US"/>
           </a:p>
@@ -1105,7 +1104,7 @@
               <a:pPr>
                 <a:defRPr/>
               </a:pPr>
-              <a:t>10/27/2021</a:t>
+              <a:t>11/1/2021</a:t>
             </a:fld>
             <a:endParaRPr lang="en-US"/>
           </a:p>
@@ -2862,7 +2861,7 @@
           <a:p>
             <a:fld id="{A35C81D1-1CD0-4635-879D-7FA4B608ED76}" type="datetimeFigureOut">
               <a:rPr lang="en-GB" smtClean="0"/>
-              <a:t>27/10/2021</a:t>
+              <a:t>01/11/2021</a:t>
             </a:fld>
             <a:endParaRPr lang="en-GB"/>
           </a:p>
@@ -3451,7 +3450,7 @@
               <a:pPr>
                 <a:defRPr/>
               </a:pPr>
-              <a:t>10/27/2021</a:t>
+              <a:t>11/1/2021</a:t>
             </a:fld>
             <a:endParaRPr lang="en-US"/>
           </a:p>
@@ -5266,7 +5265,7 @@
           <a:graphicData uri="http://schemas.openxmlformats.org/presentationml/2006/ole">
             <mc:AlternateContent xmlns:mc="http://schemas.openxmlformats.org/markup-compatibility/2006">
               <mc:Choice xmlns:v="urn:schemas-microsoft-com:vml" Requires="v">
-                <p:oleObj spid="_x0000_s7172" name="VISIO" r:id="rId4" imgW="3914640" imgH="3552480" progId="Visio.Drawing.6">
+                <p:oleObj spid="_x0000_s7174" name="VISIO" r:id="rId4" imgW="3914640" imgH="3552480" progId="Visio.Drawing.6">
                   <p:embed/>
                 </p:oleObj>
               </mc:Choice>
@@ -6775,52 +6774,79 @@
                     <a:latin typeface="+mj-lt"/>
                     <a:cs typeface="Arial" charset="0"/>
                   </a:rPr>
-                  <a:t>Computes </a:t>
+                  <a:t>It computes C</a:t>
                 </a:r>
                 <a:r>
-                  <a:rPr lang="en-US" sz="2800" i="1" dirty="0">
+                  <a:rPr lang="en-US" sz="2800" i="1" baseline="-25000" dirty="0">
+                    <a:latin typeface="+mj-lt"/>
+                    <a:cs typeface="Arial" charset="0"/>
+                  </a:rPr>
+                  <a:t>i-1</a:t>
+                </a:r>
+                <a:r>
+                  <a:rPr lang="en-US" sz="2800" dirty="0">
+                    <a:latin typeface="+mj-lt"/>
+                    <a:cs typeface="Arial" charset="0"/>
+                  </a:rPr>
+                  <a:t> by:</a:t>
+                </a:r>
+              </a:p>
+              <a:p>
+                <a:pPr marL="685800" lvl="1">
+                  <a:buFontTx/>
+                  <a:buChar char="•"/>
+                </a:pPr>
+                <a:r>
+                  <a:rPr lang="en-US" dirty="0">
+                    <a:latin typeface="+mj-lt"/>
+                    <a:cs typeface="Arial" charset="0"/>
+                  </a:rPr>
+                  <a:t>Computing </a:t>
+                </a:r>
+                <a:r>
+                  <a:rPr lang="en-US" i="1" dirty="0">
                     <a:latin typeface="+mj-lt"/>
                     <a:cs typeface="Arial" charset="0"/>
                   </a:rPr>
                   <a:t>G</a:t>
                 </a:r>
                 <a:r>
-                  <a:rPr lang="en-US" sz="2800" dirty="0">
+                  <a:rPr lang="en-US" dirty="0">
                     <a:latin typeface="+mj-lt"/>
                     <a:cs typeface="Arial" charset="0"/>
                   </a:rPr>
                   <a:t> and </a:t>
                 </a:r>
                 <a:r>
-                  <a:rPr lang="en-US" sz="2800" i="1" dirty="0">
+                  <a:rPr lang="en-US" i="1" dirty="0">
                     <a:latin typeface="+mj-lt"/>
                     <a:cs typeface="Arial" charset="0"/>
                   </a:rPr>
                   <a:t>P</a:t>
                 </a:r>
                 <a:r>
-                  <a:rPr lang="en-US" sz="2800" dirty="0">
+                  <a:rPr lang="en-US" dirty="0">
                     <a:latin typeface="+mj-lt"/>
                     <a:cs typeface="Arial" charset="0"/>
                   </a:rPr>
                   <a:t> for 1-, 2-, 4-, 8-bit blocks, etc. until all </a:t>
                 </a:r>
                 <a:r>
-                  <a:rPr lang="en-US" sz="2800" i="1" dirty="0">
+                  <a:rPr lang="en-US" i="1" dirty="0">
                     <a:latin typeface="+mj-lt"/>
                     <a:cs typeface="Arial" charset="0"/>
                   </a:rPr>
                   <a:t>G</a:t>
                 </a:r>
                 <a:r>
-                  <a:rPr lang="en-US" sz="2800" i="1" baseline="-25000" dirty="0">
+                  <a:rPr lang="en-US" i="1" baseline="-25000" dirty="0">
                     <a:latin typeface="+mj-lt"/>
                     <a:cs typeface="Arial" charset="0"/>
                   </a:rPr>
                   <a:t>i</a:t>
                 </a:r>
                 <a:r>
-                  <a:rPr lang="en-US" sz="2800" dirty="0">
+                  <a:rPr lang="en-US" dirty="0">
                     <a:latin typeface="+mj-lt"/>
                     <a:cs typeface="Arial" charset="0"/>
                   </a:rPr>
@@ -7057,7 +7083,9 @@
         </p:nvSpPr>
         <p:spPr/>
         <p:txBody>
-          <a:bodyPr/>
+          <a:bodyPr>
+            <a:normAutofit lnSpcReduction="10000"/>
+          </a:bodyPr>
           <a:lstStyle/>
           <a:p>
             <a:pPr marL="342900" indent="-342900">
@@ -7154,16 +7182,6 @@
               <a:buNone/>
             </a:pPr>
             <a:r>
-              <a:rPr lang="en-US" sz="2000" b="1" i="1" dirty="0">
-                <a:solidFill>
-                  <a:schemeClr val="accent2"/>
-                </a:solidFill>
-                <a:latin typeface="Times New Roman" pitchFamily="18" charset="0"/>
-                <a:cs typeface="Arial" charset="0"/>
-              </a:rPr>
-              <a:t>	</a:t>
-            </a:r>
-            <a:r>
               <a:rPr lang="en-US" sz="2600" b="1" i="1" dirty="0">
                 <a:solidFill>
                   <a:srgbClr val="0070C0"/>
@@ -7213,16 +7231,21 @@
               </a:rPr>
               <a:t>in</a:t>
             </a:r>
-            <a:r>
-              <a:rPr lang="en-US" sz="2600" b="1" dirty="0">
-                <a:solidFill>
-                  <a:srgbClr val="0070C0"/>
-                </a:solidFill>
-                <a:latin typeface="Times New Roman" pitchFamily="18" charset="0"/>
-                <a:cs typeface="Arial" charset="0"/>
-              </a:rPr>
-              <a:t>, </a:t>
-            </a:r>
+            <a:endParaRPr lang="en-US" sz="2600" b="1" baseline="-25000" dirty="0">
+              <a:solidFill>
+                <a:srgbClr val="0070C0"/>
+              </a:solidFill>
+              <a:latin typeface="Times New Roman" pitchFamily="18" charset="0"/>
+              <a:cs typeface="Arial" charset="0"/>
+            </a:endParaRPr>
+          </a:p>
+          <a:p>
+            <a:pPr marL="457200" lvl="1" indent="0">
+              <a:spcBef>
+                <a:spcPct val="20000"/>
+              </a:spcBef>
+              <a:buNone/>
+            </a:pPr>
             <a:r>
               <a:rPr lang="en-US" sz="2600" b="1" i="1" dirty="0">
                 <a:solidFill>
@@ -7267,7 +7290,7 @@
                 <a:latin typeface="+mj-lt"/>
                 <a:cs typeface="Arial" charset="0"/>
               </a:rPr>
-              <a:t>Carry in to column </a:t>
+              <a:t>Carry in into column </a:t>
             </a:r>
             <a:r>
               <a:rPr lang="en-US" sz="2400" i="1" dirty="0" err="1">
@@ -7792,8 +7815,110 @@
                 <a:latin typeface="+mj-lt"/>
                 <a:cs typeface="Arial" charset="0"/>
               </a:rPr>
-              <a:t>)</a:t>
-            </a:r>
+              <a:t>)        </a:t>
+            </a:r>
+            <a:r>
+              <a:rPr lang="en-US" sz="2400" dirty="0">
+                <a:latin typeface="+mj-lt"/>
+                <a:cs typeface="Arial" charset="0"/>
+              </a:rPr>
+              <a:t>(</a:t>
+            </a:r>
+            <a:r>
+              <a:rPr lang="en-US" sz="2400" dirty="0">
+                <a:latin typeface="Times New Roman" pitchFamily="18" charset="0"/>
+                <a:cs typeface="Arial" charset="0"/>
+              </a:rPr>
+              <a:t>C</a:t>
+            </a:r>
+            <a:r>
+              <a:rPr lang="en-US" sz="2400" baseline="-25000" dirty="0">
+                <a:latin typeface="Times New Roman" pitchFamily="18" charset="0"/>
+                <a:cs typeface="Arial" charset="0"/>
+              </a:rPr>
+              <a:t>0</a:t>
+            </a:r>
+            <a:r>
+              <a:rPr lang="en-US" sz="2400" dirty="0">
+                <a:latin typeface="Times New Roman" pitchFamily="18" charset="0"/>
+                <a:cs typeface="Arial" charset="0"/>
+              </a:rPr>
+              <a:t>,     C</a:t>
+            </a:r>
+            <a:r>
+              <a:rPr lang="en-US" sz="2400" baseline="-25000" dirty="0">
+                <a:latin typeface="Times New Roman" pitchFamily="18" charset="0"/>
+                <a:cs typeface="Arial" charset="0"/>
+              </a:rPr>
+              <a:t>1</a:t>
+            </a:r>
+            <a:r>
+              <a:rPr lang="en-US" sz="2400" dirty="0">
+                <a:latin typeface="Times New Roman" pitchFamily="18" charset="0"/>
+                <a:cs typeface="Arial" charset="0"/>
+              </a:rPr>
+              <a:t>,    C</a:t>
+            </a:r>
+            <a:r>
+              <a:rPr lang="en-US" sz="2400" baseline="-25000" dirty="0">
+                <a:latin typeface="Times New Roman" pitchFamily="18" charset="0"/>
+                <a:cs typeface="Arial" charset="0"/>
+              </a:rPr>
+              <a:t>2</a:t>
+            </a:r>
+            <a:r>
+              <a:rPr lang="en-US" sz="2400" dirty="0">
+                <a:latin typeface="Times New Roman" pitchFamily="18" charset="0"/>
+                <a:cs typeface="Arial" charset="0"/>
+              </a:rPr>
+              <a:t>,    C</a:t>
+            </a:r>
+            <a:r>
+              <a:rPr lang="en-US" sz="2400" baseline="-25000" dirty="0">
+                <a:latin typeface="Times New Roman" pitchFamily="18" charset="0"/>
+                <a:cs typeface="Arial" charset="0"/>
+              </a:rPr>
+              <a:t>3</a:t>
+            </a:r>
+            <a:r>
+              <a:rPr lang="en-US" sz="2400" dirty="0">
+                <a:latin typeface="Times New Roman" pitchFamily="18" charset="0"/>
+                <a:cs typeface="Arial" charset="0"/>
+              </a:rPr>
+              <a:t>,    C</a:t>
+            </a:r>
+            <a:r>
+              <a:rPr lang="en-US" sz="2400" baseline="-25000" dirty="0">
+                <a:latin typeface="Times New Roman" pitchFamily="18" charset="0"/>
+                <a:cs typeface="Arial" charset="0"/>
+              </a:rPr>
+              <a:t>4</a:t>
+            </a:r>
+            <a:r>
+              <a:rPr lang="en-US" sz="2400" dirty="0">
+                <a:latin typeface="Times New Roman" pitchFamily="18" charset="0"/>
+                <a:cs typeface="Arial" charset="0"/>
+              </a:rPr>
+              <a:t>,     C</a:t>
+            </a:r>
+            <a:r>
+              <a:rPr lang="en-US" sz="2400" baseline="-25000" dirty="0">
+                <a:latin typeface="Times New Roman" pitchFamily="18" charset="0"/>
+                <a:cs typeface="Arial" charset="0"/>
+              </a:rPr>
+              <a:t>5</a:t>
+            </a:r>
+            <a:r>
+              <a:rPr lang="en-US" sz="2400" dirty="0">
+                <a:latin typeface="Times New Roman" pitchFamily="18" charset="0"/>
+                <a:cs typeface="Arial" charset="0"/>
+              </a:rPr>
+              <a:t>,)</a:t>
+            </a:r>
+            <a:endParaRPr lang="en-US" sz="2400" i="1" dirty="0">
+              <a:latin typeface="+mj-lt"/>
+              <a:cs typeface="Arial" charset="0"/>
+            </a:endParaRPr>
           </a:p>
           <a:p>
             <a:endParaRPr lang="en-GB" dirty="0"/>
@@ -8737,7 +8862,7 @@
           <a:graphicData uri="http://schemas.openxmlformats.org/presentationml/2006/ole">
             <mc:AlternateContent xmlns:mc="http://schemas.openxmlformats.org/markup-compatibility/2006">
               <mc:Choice xmlns:v="urn:schemas-microsoft-com:vml" Requires="v">
-                <p:oleObj spid="_x0000_s8195" name="VISIO" r:id="rId4" imgW="4029120" imgH="4003560" progId="Visio.Drawing.6">
+                <p:oleObj spid="_x0000_s8197" name="VISIO" r:id="rId4" imgW="4029120" imgH="4003560" progId="Visio.Drawing.6">
                   <p:embed/>
                 </p:oleObj>
               </mc:Choice>
@@ -10543,7 +10668,7 @@
           <a:graphicData uri="http://schemas.openxmlformats.org/presentationml/2006/ole">
             <mc:AlternateContent xmlns:mc="http://schemas.openxmlformats.org/markup-compatibility/2006">
               <mc:Choice xmlns:v="urn:schemas-microsoft-com:vml" Requires="v">
-                <p:oleObj spid="_x0000_s9219" name="VISIO" r:id="rId4" imgW="1942560" imgH="1428840" progId="Visio.Drawing.6">
+                <p:oleObj spid="_x0000_s9221" name="VISIO" r:id="rId4" imgW="1942560" imgH="1428840" progId="Visio.Drawing.6">
                   <p:embed/>
                 </p:oleObj>
               </mc:Choice>
@@ -10713,7 +10838,7 @@
           <a:graphicData uri="http://schemas.openxmlformats.org/presentationml/2006/ole">
             <mc:AlternateContent xmlns:mc="http://schemas.openxmlformats.org/markup-compatibility/2006">
               <mc:Choice xmlns:v="urn:schemas-microsoft-com:vml" Requires="v">
-                <p:oleObj spid="_x0000_s10242" name="VISIO" r:id="rId4" imgW="2836080" imgH="1689480" progId="Visio.Drawing.6">
+                <p:oleObj spid="_x0000_s10244" name="VISIO" r:id="rId4" imgW="2836080" imgH="1689480" progId="Visio.Drawing.6">
                   <p:embed/>
                 </p:oleObj>
               </mc:Choice>
@@ -10792,121 +10917,6 @@
           <p:cNvPr id="2" name="Content Placeholder 1">
             <a:extLst>
               <a:ext uri="{FF2B5EF4-FFF2-40B4-BE49-F238E27FC236}">
-                <a16:creationId xmlns:a16="http://schemas.microsoft.com/office/drawing/2014/main" id="{6180E09A-EE20-4A76-9C6C-9E99C764ADA9}"/>
-              </a:ext>
-            </a:extLst>
-          </p:cNvPr>
-          <p:cNvSpPr>
-            <a:spLocks noGrp="1"/>
-          </p:cNvSpPr>
-          <p:nvPr>
-            <p:ph idx="1"/>
-          </p:nvPr>
-        </p:nvSpPr>
-        <p:spPr/>
-        <p:txBody>
-          <a:bodyPr/>
-          <a:lstStyle/>
-          <a:p>
-            <a:endParaRPr lang="en-GB"/>
-          </a:p>
-        </p:txBody>
-      </p:sp>
-      <p:sp>
-        <p:nvSpPr>
-          <p:cNvPr id="3" name="Title 2">
-            <a:extLst>
-              <a:ext uri="{FF2B5EF4-FFF2-40B4-BE49-F238E27FC236}">
-                <a16:creationId xmlns:a16="http://schemas.microsoft.com/office/drawing/2014/main" id="{CDA14A61-8F1F-473C-B525-393C13A46DB4}"/>
-              </a:ext>
-            </a:extLst>
-          </p:cNvPr>
-          <p:cNvSpPr>
-            <a:spLocks noGrp="1"/>
-          </p:cNvSpPr>
-          <p:nvPr>
-            <p:ph type="title"/>
-          </p:nvPr>
-        </p:nvSpPr>
-        <p:spPr/>
-        <p:txBody>
-          <a:bodyPr/>
-          <a:lstStyle/>
-          <a:p>
-            <a:endParaRPr lang="en-GB" dirty="0"/>
-          </a:p>
-        </p:txBody>
-      </p:sp>
-      <p:sp>
-        <p:nvSpPr>
-          <p:cNvPr id="4" name="Slide Number Placeholder 3">
-            <a:extLst>
-              <a:ext uri="{FF2B5EF4-FFF2-40B4-BE49-F238E27FC236}">
-                <a16:creationId xmlns:a16="http://schemas.microsoft.com/office/drawing/2014/main" id="{0B2C48F5-E2B3-40C8-A165-DC80346F8708}"/>
-              </a:ext>
-            </a:extLst>
-          </p:cNvPr>
-          <p:cNvSpPr>
-            <a:spLocks noGrp="1"/>
-          </p:cNvSpPr>
-          <p:nvPr>
-            <p:ph type="sldNum" sz="quarter" idx="12"/>
-          </p:nvPr>
-        </p:nvSpPr>
-        <p:spPr/>
-        <p:txBody>
-          <a:bodyPr/>
-          <a:lstStyle/>
-          <a:p>
-            <a:pPr>
-              <a:defRPr/>
-            </a:pPr>
-            <a:fld id="{5BC7FEBF-A170-470C-A369-F0D066FB58E5}" type="slidenum">
-              <a:rPr lang="en-US" smtClean="0"/>
-              <a:pPr>
-                <a:defRPr/>
-              </a:pPr>
-              <a:t>24</a:t>
-            </a:fld>
-            <a:endParaRPr lang="en-US" dirty="0"/>
-          </a:p>
-        </p:txBody>
-      </p:sp>
-    </p:spTree>
-    <p:extLst>
-      <p:ext uri="{BB962C8B-B14F-4D97-AF65-F5344CB8AC3E}">
-        <p14:creationId xmlns:p14="http://schemas.microsoft.com/office/powerpoint/2010/main" val="3918544567"/>
-      </p:ext>
-    </p:extLst>
-  </p:cSld>
-  <p:clrMapOvr>
-    <a:masterClrMapping/>
-  </p:clrMapOvr>
-</p:sld>
-</file>
-
-<file path=ppt/slides/slide25.xml><?xml version="1.0" encoding="utf-8"?>
-<p:sld xmlns:a="http://schemas.openxmlformats.org/drawingml/2006/main" xmlns:r="http://schemas.openxmlformats.org/officeDocument/2006/relationships" xmlns:p="http://schemas.openxmlformats.org/presentationml/2006/main">
-  <p:cSld>
-    <p:spTree>
-      <p:nvGrpSpPr>
-        <p:cNvPr id="1" name=""/>
-        <p:cNvGrpSpPr/>
-        <p:nvPr/>
-      </p:nvGrpSpPr>
-      <p:grpSpPr>
-        <a:xfrm>
-          <a:off x="0" y="0"/>
-          <a:ext cx="0" cy="0"/>
-          <a:chOff x="0" y="0"/>
-          <a:chExt cx="0" cy="0"/>
-        </a:xfrm>
-      </p:grpSpPr>
-      <p:sp>
-        <p:nvSpPr>
-          <p:cNvPr id="2" name="Content Placeholder 1">
-            <a:extLst>
-              <a:ext uri="{FF2B5EF4-FFF2-40B4-BE49-F238E27FC236}">
                 <a16:creationId xmlns:a16="http://schemas.microsoft.com/office/drawing/2014/main" id="{AB0243A0-0C52-48FB-8DD1-655D3D4F8A2F}"/>
               </a:ext>
             </a:extLst>
@@ -10997,7 +11007,7 @@
               <a:pPr>
                 <a:defRPr/>
               </a:pPr>
-              <a:t>25</a:t>
+              <a:t>24</a:t>
             </a:fld>
             <a:endParaRPr lang="en-US" dirty="0"/>
           </a:p>
@@ -11222,7 +11232,7 @@
           <a:graphicData uri="http://schemas.openxmlformats.org/presentationml/2006/ole">
             <mc:AlternateContent xmlns:mc="http://schemas.openxmlformats.org/markup-compatibility/2006">
               <mc:Choice xmlns:v="urn:schemas-microsoft-com:vml" Requires="v">
-                <p:oleObj spid="_x0000_s2057" name="VISIO" r:id="rId4" imgW="2510280" imgH="2660400" progId="Visio.Drawing.6">
+                <p:oleObj spid="_x0000_s2059" name="VISIO" r:id="rId4" imgW="2510280" imgH="2660400" progId="Visio.Drawing.6">
                   <p:embed/>
                 </p:oleObj>
               </mc:Choice>
@@ -11391,7 +11401,7 @@
           <a:graphicData uri="http://schemas.openxmlformats.org/presentationml/2006/ole">
             <mc:AlternateContent xmlns:mc="http://schemas.openxmlformats.org/markup-compatibility/2006">
               <mc:Choice xmlns:v="urn:schemas-microsoft-com:vml" Requires="v">
-                <p:oleObj spid="_x0000_s3081" name="VISIO" r:id="rId4" imgW="2510280" imgH="2660400" progId="Visio.Drawing.6">
+                <p:oleObj spid="_x0000_s3083" name="VISIO" r:id="rId4" imgW="2510280" imgH="2660400" progId="Visio.Drawing.6">
                   <p:embed/>
                 </p:oleObj>
               </mc:Choice>
@@ -11560,7 +11570,7 @@
           <a:graphicData uri="http://schemas.openxmlformats.org/presentationml/2006/ole">
             <mc:AlternateContent xmlns:mc="http://schemas.openxmlformats.org/markup-compatibility/2006">
               <mc:Choice xmlns:v="urn:schemas-microsoft-com:vml" Requires="v">
-                <p:oleObj spid="_x0000_s4105" name="VISIO" r:id="rId4" imgW="2510280" imgH="2660400" progId="Visio.Drawing.6">
+                <p:oleObj spid="_x0000_s4107" name="VISIO" r:id="rId4" imgW="2510280" imgH="2660400" progId="Visio.Drawing.6">
                   <p:embed/>
                 </p:oleObj>
               </mc:Choice>
@@ -11821,7 +11831,7 @@
           <a:graphicData uri="http://schemas.openxmlformats.org/presentationml/2006/ole">
             <mc:AlternateContent xmlns:mc="http://schemas.openxmlformats.org/markup-compatibility/2006">
               <mc:Choice xmlns:v="urn:schemas-microsoft-com:vml" Requires="v">
-                <p:oleObj spid="_x0000_s5129" name="VISIO" r:id="rId4" imgW="1050120" imgH="802080" progId="Visio.Drawing.6">
+                <p:oleObj spid="_x0000_s5131" name="VISIO" r:id="rId4" imgW="1050120" imgH="802080" progId="Visio.Drawing.6">
                   <p:embed/>
                 </p:oleObj>
               </mc:Choice>
@@ -11895,8 +11905,8 @@
           <a:chExt cx="0" cy="0"/>
         </a:xfrm>
       </p:grpSpPr>
-      <mc:AlternateContent xmlns:mc="http://schemas.openxmlformats.org/markup-compatibility/2006">
-        <mc:Choice xmlns:a14="http://schemas.microsoft.com/office/drawing/2010/main" Requires="a14">
+      <mc:AlternateContent xmlns:mc="http://schemas.openxmlformats.org/markup-compatibility/2006" xmlns:a14="http://schemas.microsoft.com/office/drawing/2010/main">
+        <mc:Choice Requires="a14">
           <p:sp>
             <p:nvSpPr>
               <p:cNvPr id="2" name="Content Placeholder 1">
@@ -12208,7 +12218,7 @@
             </p:txBody>
           </p:sp>
         </mc:Choice>
-        <mc:Fallback>
+        <mc:Fallback xmlns="">
           <p:sp>
             <p:nvSpPr>
               <p:cNvPr id="2" name="Content Placeholder 1">
@@ -12342,7 +12352,7 @@
           <a:graphicData uri="http://schemas.openxmlformats.org/presentationml/2006/ole">
             <mc:AlternateContent xmlns:mc="http://schemas.openxmlformats.org/markup-compatibility/2006">
               <mc:Choice xmlns:v="urn:schemas-microsoft-com:vml" Requires="v">
-                <p:oleObj spid="_x0000_s6152" name="VISIO" r:id="rId5" imgW="3135960" imgH="684360" progId="Visio.Drawing.6">
+                <p:oleObj spid="_x0000_s6154" name="VISIO" r:id="rId5" imgW="3135960" imgH="684360" progId="Visio.Drawing.6">
                   <p:embed/>
                 </p:oleObj>
               </mc:Choice>
@@ -12912,7 +12922,7 @@
                 <a:latin typeface="+mj-lt"/>
                 <a:cs typeface="Arial" charset="0"/>
               </a:rPr>
-              <a:t> will propagate a carry in to the carry out if </a:t>
+              <a:t> will propagate a carry in into the carry out if </a:t>
             </a:r>
             <a:r>
               <a:rPr lang="en-US" sz="1800" i="1" dirty="0">
